--- a/PRESENTATIONS/2021-10-online-f2f/2021-10-07-WoT-F2F-Opening-Kaebisch.pptx
+++ b/PRESENTATIONS/2021-10-online-f2f/2021-10-07-WoT-F2F-Opening-Kaebisch.pptx
@@ -5043,11 +5043,13 @@
         <p:spPr>
           <a:xfrm>
             <a:off x="838200" y="1690688"/>
-            <a:ext cx="10515600" cy="4486275"/>
-          </a:xfrm>
-        </p:spPr>
-        <p:txBody>
-          <a:bodyPr/>
+            <a:ext cx="10864702" cy="4486275"/>
+          </a:xfrm>
+        </p:spPr>
+        <p:txBody>
+          <a:bodyPr>
+            <a:normAutofit/>
+          </a:bodyPr>
           <a:lstStyle/>
           <a:p>
             <a:r>
@@ -5058,7 +5060,7 @@
           <a:p>
             <a:r>
               <a:rPr lang="en-CA" b="1" dirty="0"/>
-              <a:t>0h15m – Thing Description (1h15m) - Sebastian</a:t>
+              <a:t>0h15m – Thing Description (1hm) - Sebastian</a:t>
             </a:r>
           </a:p>
           <a:p>
@@ -5085,7 +5087,7 @@
             </a:r>
             <a:r>
               <a:rPr lang="de-DE" dirty="0"/>
-              <a:t>? </a:t>
+              <a:t>?: 5min</a:t>
             </a:r>
           </a:p>
           <a:p>
@@ -5100,19 +5102,39 @@
             </a:r>
             <a:r>
               <a:rPr lang="de-DE" dirty="0"/>
-              <a:t> TD 2.0</a:t>
+              <a:t> TD 2.0: 55min</a:t>
             </a:r>
           </a:p>
           <a:p>
             <a:r>
               <a:rPr lang="en-CA" b="1" dirty="0"/>
-              <a:t>1h45m - Break (15m)</a:t>
+              <a:t>1h15m - Break (15m)</a:t>
             </a:r>
           </a:p>
           <a:p>
             <a:r>
               <a:rPr lang="en-CA" b="1" dirty="0"/>
-              <a:t>2h00m - Thing Description (45m) – Sebastian, Cristiano</a:t>
+              <a:t>1h30m - Thing Description, Binding Template (1h15m) – </a:t>
+            </a:r>
+            <a:r>
+              <a:rPr lang="en-CA" b="1" dirty="0" err="1"/>
+              <a:t>Seb</a:t>
+            </a:r>
+            <a:r>
+              <a:rPr lang="en-CA" b="1" dirty="0"/>
+              <a:t>., </a:t>
+            </a:r>
+            <a:r>
+              <a:rPr lang="en-CA" b="1" dirty="0" err="1"/>
+              <a:t>Cris</a:t>
+            </a:r>
+            <a:r>
+              <a:rPr lang="en-CA" b="1" dirty="0"/>
+              <a:t>., </a:t>
+            </a:r>
+            <a:r>
+              <a:rPr lang="en-CA" b="1" dirty="0" err="1"/>
+              <a:t>Ege</a:t>
             </a:r>
             <a:endParaRPr lang="en-CA" dirty="0"/>
           </a:p>
@@ -5132,7 +5154,7 @@
             </a:r>
             <a:r>
               <a:rPr lang="en-CA" dirty="0"/>
-              <a:t>: 15m</a:t>
+              <a:t>: ~20min</a:t>
             </a:r>
           </a:p>
           <a:p>
@@ -5155,7 +5177,14 @@
             </a:r>
             <a:r>
               <a:rPr lang="en-CA" dirty="0"/>
-              <a:t>15m-30min</a:t>
+              <a:t>~20min</a:t>
+            </a:r>
+          </a:p>
+          <a:p>
+            <a:pPr lvl="1"/>
+            <a:r>
+              <a:rPr lang="en-CA" dirty="0"/>
+              <a:t>Latest about binding templates ~20min</a:t>
             </a:r>
           </a:p>
           <a:p>
